--- a/2차발표/2DGP_2023180009_2차 프로젝트 발표.pptx
+++ b/2차발표/2DGP_2023180009_2차 프로젝트 발표.pptx
@@ -277,7 +277,7 @@
           <a:p>
             <a:fld id="{524C6359-9BB8-4148-8114-537E698DA205}" type="datetime1">
               <a:rPr lang="en-US" smtClean="0"/>
-              <a:t>11/17/2024</a:t>
+              <a:t>11/18/2024</a:t>
             </a:fld>
             <a:endParaRPr lang="en-US" dirty="0"/>
           </a:p>
@@ -1337,7 +1337,7 @@
           <a:p>
             <a:fld id="{A4649BD0-10DB-43E7-8F22-40B3D51B8FC3}" type="datetime1">
               <a:rPr lang="en-US" smtClean="0"/>
-              <a:t>11/17/2024</a:t>
+              <a:t>11/18/2024</a:t>
             </a:fld>
             <a:endParaRPr lang="en-US"/>
           </a:p>
@@ -2398,7 +2398,7 @@
           <a:p>
             <a:fld id="{0A16C79C-F566-427A-93F6-434A4E613134}" type="datetime1">
               <a:rPr lang="en-US" smtClean="0"/>
-              <a:t>11/17/2024</a:t>
+              <a:t>11/18/2024</a:t>
             </a:fld>
             <a:endParaRPr lang="en-US"/>
           </a:p>
@@ -3454,7 +3454,7 @@
           <a:p>
             <a:fld id="{9376191F-481E-48E9-BB9A-369A67A7362D}" type="datetime1">
               <a:rPr lang="en-US" smtClean="0"/>
-              <a:t>11/17/2024</a:t>
+              <a:t>11/18/2024</a:t>
             </a:fld>
             <a:endParaRPr lang="en-US" dirty="0"/>
           </a:p>
@@ -4583,7 +4583,7 @@
           <a:p>
             <a:fld id="{6C5677DE-DD04-48CC-9C18-7BE9FF2DEB6B}" type="datetime1">
               <a:rPr lang="en-US" smtClean="0"/>
-              <a:t>11/17/2024</a:t>
+              <a:t>11/18/2024</a:t>
             </a:fld>
             <a:endParaRPr lang="en-US"/>
           </a:p>
@@ -5702,7 +5702,7 @@
           <a:p>
             <a:fld id="{463255ED-7101-4D18-A8AE-3B5E4CB87EA5}" type="datetime1">
               <a:rPr lang="en-US" smtClean="0"/>
-              <a:t>11/17/2024</a:t>
+              <a:t>11/18/2024</a:t>
             </a:fld>
             <a:endParaRPr lang="en-US"/>
           </a:p>
@@ -7008,7 +7008,7 @@
           <a:p>
             <a:fld id="{CD52F23D-51F6-4C94-8CD5-B9ABBF67EE23}" type="datetime1">
               <a:rPr lang="en-US" smtClean="0"/>
-              <a:t>11/17/2024</a:t>
+              <a:t>11/18/2024</a:t>
             </a:fld>
             <a:endParaRPr lang="en-US"/>
           </a:p>
@@ -7155,7 +7155,7 @@
           <a:p>
             <a:fld id="{D51A702F-6367-4FD1-89A8-3744BE6BA9A2}" type="datetime1">
               <a:rPr lang="en-US" smtClean="0"/>
-              <a:t>11/17/2024</a:t>
+              <a:t>11/18/2024</a:t>
             </a:fld>
             <a:endParaRPr lang="en-US"/>
           </a:p>
@@ -8119,7 +8119,7 @@
           <a:p>
             <a:fld id="{4A6E99BD-4B4F-4460-B452-0E8146ACCF8F}" type="datetime1">
               <a:rPr lang="en-US" smtClean="0"/>
-              <a:t>11/17/2024</a:t>
+              <a:t>11/18/2024</a:t>
             </a:fld>
             <a:endParaRPr lang="en-US"/>
           </a:p>
@@ -8438,7 +8438,7 @@
           <a:p>
             <a:fld id="{EB6FD34C-1867-42A9-AC54-D15ADD8A65E7}" type="datetime1">
               <a:rPr lang="en-US" smtClean="0"/>
-              <a:t>11/17/2024</a:t>
+              <a:t>11/18/2024</a:t>
             </a:fld>
             <a:endParaRPr lang="en-US"/>
           </a:p>
@@ -9586,7 +9586,7 @@
           <a:p>
             <a:fld id="{336133E9-A654-4C17-8C3C-DDCAC83D6EBF}" type="datetime1">
               <a:rPr lang="en-US" smtClean="0"/>
-              <a:t>11/17/2024</a:t>
+              <a:t>11/18/2024</a:t>
             </a:fld>
             <a:endParaRPr lang="en-US"/>
           </a:p>
@@ -11992,7 +11992,7 @@
           <a:p>
             <a:fld id="{8769D389-4C4C-4FD7-9E6B-9F44477F0EB8}" type="datetime1">
               <a:rPr lang="en-US" smtClean="0"/>
-              <a:t>11/17/2024</a:t>
+              <a:t>11/18/2024</a:t>
             </a:fld>
             <a:endParaRPr lang="en-US" dirty="0"/>
           </a:p>
@@ -12738,7 +12738,7 @@
           <p:nvPr>
             <p:extLst>
               <p:ext uri="{D42A27DB-BD31-4B8C-83A1-F6EECF244321}">
-                <p14:modId xmlns:p14="http://schemas.microsoft.com/office/powerpoint/2010/main" val="2967840797"/>
+                <p14:modId xmlns:p14="http://schemas.microsoft.com/office/powerpoint/2010/main" val="3720183006"/>
               </p:ext>
             </p:extLst>
           </p:nvPr>
@@ -13410,6 +13410,19 @@
                         </a:rPr>
                         <a:t>아이템 제작 및 주인공 변신 구현</a:t>
                       </a:r>
+                      <a:r>
+                        <a:rPr lang="en-US" altLang="ko-KR" sz="1800" dirty="0">
+                          <a:solidFill>
+                            <a:srgbClr val="00B0F0"/>
+                          </a:solidFill>
+                        </a:rPr>
+                        <a:t>,</a:t>
+                      </a:r>
+                      <a:endParaRPr lang="ko-KR" altLang="en-US" sz="1800" dirty="0">
+                        <a:solidFill>
+                          <a:srgbClr val="00B0F0"/>
+                        </a:solidFill>
+                      </a:endParaRPr>
                     </a:p>
                     <a:p>
                       <a:pPr latinLnBrk="1"/>
@@ -13419,7 +13432,7 @@
                             <a:srgbClr val="00B0F0"/>
                           </a:solidFill>
                         </a:rPr>
-                        <a:t>다시 하기 구현</a:t>
+                        <a:t>게임 프레임 워크</a:t>
                       </a:r>
                     </a:p>
                   </a:txBody>
@@ -13663,7 +13676,7 @@
             <p:ph idx="1"/>
             <p:extLst>
               <p:ext uri="{D42A27DB-BD31-4B8C-83A1-F6EECF244321}">
-                <p14:modId xmlns:p14="http://schemas.microsoft.com/office/powerpoint/2010/main" val="3224886907"/>
+                <p14:modId xmlns:p14="http://schemas.microsoft.com/office/powerpoint/2010/main" val="986139888"/>
               </p:ext>
             </p:extLst>
           </p:nvPr>
@@ -14567,7 +14580,7 @@
                       </a:r>
                       <a:r>
                         <a:rPr lang="ko-KR" altLang="en-US" sz="1200" dirty="0"/>
-                        <a:t>낙하 충돌 처리</a:t>
+                        <a:t>장애물과 충돌 처리</a:t>
                       </a:r>
                       <a:r>
                         <a:rPr lang="en-US" altLang="ko-KR" sz="1200" dirty="0"/>
@@ -14688,7 +14701,7 @@
                       </a:r>
                       <a:r>
                         <a:rPr lang="ko-KR" altLang="en-US" sz="1200" dirty="0"/>
-                        <a:t>다시하기 구현</a:t>
+                        <a:t>게임 프레임 워크 제작</a:t>
                       </a:r>
                     </a:p>
                   </a:txBody>

--- a/2차발표/2DGP_2023180009_2차 프로젝트 발표.pptx
+++ b/2차발표/2DGP_2023180009_2차 프로젝트 발표.pptx
@@ -4,6 +4,9 @@
   <p:sldMasterIdLst>
     <p:sldMasterId id="2147483711" r:id="rId1"/>
   </p:sldMasterIdLst>
+  <p:notesMasterIdLst>
+    <p:notesMasterId r:id="rId6"/>
+  </p:notesMasterIdLst>
   <p:sldIdLst>
     <p:sldId id="257" r:id="rId2"/>
     <p:sldId id="268" r:id="rId3"/>
@@ -113,6 +116,439 @@
     </p:ext>
   </p:extLst>
 </p:presentation>
+</file>
+
+<file path=ppt/notesMasters/notesMaster1.xml><?xml version="1.0" encoding="utf-8"?>
+<p:notesMaster xmlns:a="http://schemas.openxmlformats.org/drawingml/2006/main" xmlns:r="http://schemas.openxmlformats.org/officeDocument/2006/relationships" xmlns:p="http://schemas.openxmlformats.org/presentationml/2006/main">
+  <p:cSld>
+    <p:bg>
+      <p:bgRef idx="1001">
+        <a:schemeClr val="bg1"/>
+      </p:bgRef>
+    </p:bg>
+    <p:spTree>
+      <p:nvGrpSpPr>
+        <p:cNvPr id="1" name=""/>
+        <p:cNvGrpSpPr/>
+        <p:nvPr/>
+      </p:nvGrpSpPr>
+      <p:grpSpPr>
+        <a:xfrm>
+          <a:off x="0" y="0"/>
+          <a:ext cx="0" cy="0"/>
+          <a:chOff x="0" y="0"/>
+          <a:chExt cx="0" cy="0"/>
+        </a:xfrm>
+      </p:grpSpPr>
+      <p:sp>
+        <p:nvSpPr>
+          <p:cNvPr id="2" name="머리글 개체 틀 1"/>
+          <p:cNvSpPr>
+            <a:spLocks noGrp="1"/>
+          </p:cNvSpPr>
+          <p:nvPr>
+            <p:ph type="hdr" sz="quarter"/>
+          </p:nvPr>
+        </p:nvSpPr>
+        <p:spPr>
+          <a:xfrm>
+            <a:off x="0" y="0"/>
+            <a:ext cx="2971800" cy="458788"/>
+          </a:xfrm>
+          <a:prstGeom prst="rect">
+            <a:avLst/>
+          </a:prstGeom>
+        </p:spPr>
+        <p:txBody>
+          <a:bodyPr vert="horz" lIns="91440" tIns="45720" rIns="91440" bIns="45720" rtlCol="0"/>
+          <a:lstStyle>
+            <a:lvl1pPr algn="l">
+              <a:defRPr sz="1200"/>
+            </a:lvl1pPr>
+          </a:lstStyle>
+          <a:p>
+            <a:endParaRPr lang="ko-KR" altLang="en-US"/>
+          </a:p>
+        </p:txBody>
+      </p:sp>
+      <p:sp>
+        <p:nvSpPr>
+          <p:cNvPr id="3" name="날짜 개체 틀 2"/>
+          <p:cNvSpPr>
+            <a:spLocks noGrp="1"/>
+          </p:cNvSpPr>
+          <p:nvPr>
+            <p:ph type="dt" idx="1"/>
+          </p:nvPr>
+        </p:nvSpPr>
+        <p:spPr>
+          <a:xfrm>
+            <a:off x="3884613" y="0"/>
+            <a:ext cx="2971800" cy="458788"/>
+          </a:xfrm>
+          <a:prstGeom prst="rect">
+            <a:avLst/>
+          </a:prstGeom>
+        </p:spPr>
+        <p:txBody>
+          <a:bodyPr vert="horz" lIns="91440" tIns="45720" rIns="91440" bIns="45720" rtlCol="0"/>
+          <a:lstStyle>
+            <a:lvl1pPr algn="r">
+              <a:defRPr sz="1200"/>
+            </a:lvl1pPr>
+          </a:lstStyle>
+          <a:p>
+            <a:fld id="{8F125615-1A8D-490D-83F3-CFE0060A53B0}" type="datetimeFigureOut">
+              <a:rPr lang="ko-KR" altLang="en-US" smtClean="0"/>
+              <a:t>2024-11-18</a:t>
+            </a:fld>
+            <a:endParaRPr lang="ko-KR" altLang="en-US"/>
+          </a:p>
+        </p:txBody>
+      </p:sp>
+      <p:sp>
+        <p:nvSpPr>
+          <p:cNvPr id="4" name="슬라이드 이미지 개체 틀 3"/>
+          <p:cNvSpPr>
+            <a:spLocks noGrp="1" noRot="1" noChangeAspect="1"/>
+          </p:cNvSpPr>
+          <p:nvPr>
+            <p:ph type="sldImg" idx="2"/>
+          </p:nvPr>
+        </p:nvSpPr>
+        <p:spPr>
+          <a:xfrm>
+            <a:off x="685800" y="1143000"/>
+            <a:ext cx="5486400" cy="3086100"/>
+          </a:xfrm>
+          <a:prstGeom prst="rect">
+            <a:avLst/>
+          </a:prstGeom>
+          <a:noFill/>
+          <a:ln w="12700">
+            <a:solidFill>
+              <a:prstClr val="black"/>
+            </a:solidFill>
+          </a:ln>
+        </p:spPr>
+        <p:txBody>
+          <a:bodyPr vert="horz" lIns="91440" tIns="45720" rIns="91440" bIns="45720" rtlCol="0" anchor="ctr"/>
+          <a:lstStyle/>
+          <a:p>
+            <a:endParaRPr lang="ko-KR" altLang="en-US"/>
+          </a:p>
+        </p:txBody>
+      </p:sp>
+      <p:sp>
+        <p:nvSpPr>
+          <p:cNvPr id="5" name="슬라이드 노트 개체 틀 4"/>
+          <p:cNvSpPr>
+            <a:spLocks noGrp="1"/>
+          </p:cNvSpPr>
+          <p:nvPr>
+            <p:ph type="body" sz="quarter" idx="3"/>
+          </p:nvPr>
+        </p:nvSpPr>
+        <p:spPr>
+          <a:xfrm>
+            <a:off x="685800" y="4400550"/>
+            <a:ext cx="5486400" cy="3600450"/>
+          </a:xfrm>
+          <a:prstGeom prst="rect">
+            <a:avLst/>
+          </a:prstGeom>
+        </p:spPr>
+        <p:txBody>
+          <a:bodyPr vert="horz" lIns="91440" tIns="45720" rIns="91440" bIns="45720" rtlCol="0"/>
+          <a:lstStyle/>
+          <a:p>
+            <a:pPr lvl="0"/>
+            <a:r>
+              <a:rPr lang="ko-KR" altLang="en-US"/>
+              <a:t>마스터 텍스트 스타일을 편집하려면 클릭</a:t>
+            </a:r>
+          </a:p>
+          <a:p>
+            <a:pPr lvl="1"/>
+            <a:r>
+              <a:rPr lang="ko-KR" altLang="en-US"/>
+              <a:t>두 번째 수준</a:t>
+            </a:r>
+          </a:p>
+          <a:p>
+            <a:pPr lvl="2"/>
+            <a:r>
+              <a:rPr lang="ko-KR" altLang="en-US"/>
+              <a:t>세 번째 수준</a:t>
+            </a:r>
+          </a:p>
+          <a:p>
+            <a:pPr lvl="3"/>
+            <a:r>
+              <a:rPr lang="ko-KR" altLang="en-US"/>
+              <a:t>네 번째 수준</a:t>
+            </a:r>
+          </a:p>
+          <a:p>
+            <a:pPr lvl="4"/>
+            <a:r>
+              <a:rPr lang="ko-KR" altLang="en-US"/>
+              <a:t>다섯 번째 수준</a:t>
+            </a:r>
+          </a:p>
+        </p:txBody>
+      </p:sp>
+      <p:sp>
+        <p:nvSpPr>
+          <p:cNvPr id="6" name="바닥글 개체 틀 5"/>
+          <p:cNvSpPr>
+            <a:spLocks noGrp="1"/>
+          </p:cNvSpPr>
+          <p:nvPr>
+            <p:ph type="ftr" sz="quarter" idx="4"/>
+          </p:nvPr>
+        </p:nvSpPr>
+        <p:spPr>
+          <a:xfrm>
+            <a:off x="0" y="8685213"/>
+            <a:ext cx="2971800" cy="458787"/>
+          </a:xfrm>
+          <a:prstGeom prst="rect">
+            <a:avLst/>
+          </a:prstGeom>
+        </p:spPr>
+        <p:txBody>
+          <a:bodyPr vert="horz" lIns="91440" tIns="45720" rIns="91440" bIns="45720" rtlCol="0" anchor="b"/>
+          <a:lstStyle>
+            <a:lvl1pPr algn="l">
+              <a:defRPr sz="1200"/>
+            </a:lvl1pPr>
+          </a:lstStyle>
+          <a:p>
+            <a:endParaRPr lang="ko-KR" altLang="en-US"/>
+          </a:p>
+        </p:txBody>
+      </p:sp>
+      <p:sp>
+        <p:nvSpPr>
+          <p:cNvPr id="7" name="슬라이드 번호 개체 틀 6"/>
+          <p:cNvSpPr>
+            <a:spLocks noGrp="1"/>
+          </p:cNvSpPr>
+          <p:nvPr>
+            <p:ph type="sldNum" sz="quarter" idx="5"/>
+          </p:nvPr>
+        </p:nvSpPr>
+        <p:spPr>
+          <a:xfrm>
+            <a:off x="3884613" y="8685213"/>
+            <a:ext cx="2971800" cy="458787"/>
+          </a:xfrm>
+          <a:prstGeom prst="rect">
+            <a:avLst/>
+          </a:prstGeom>
+        </p:spPr>
+        <p:txBody>
+          <a:bodyPr vert="horz" lIns="91440" tIns="45720" rIns="91440" bIns="45720" rtlCol="0" anchor="b"/>
+          <a:lstStyle>
+            <a:lvl1pPr algn="r">
+              <a:defRPr sz="1200"/>
+            </a:lvl1pPr>
+          </a:lstStyle>
+          <a:p>
+            <a:fld id="{160FF588-C67B-4255-B82B-02B0A6772E18}" type="slidenum">
+              <a:rPr lang="ko-KR" altLang="en-US" smtClean="0"/>
+              <a:t>‹#›</a:t>
+            </a:fld>
+            <a:endParaRPr lang="ko-KR" altLang="en-US"/>
+          </a:p>
+        </p:txBody>
+      </p:sp>
+    </p:spTree>
+    <p:extLst>
+      <p:ext uri="{BB962C8B-B14F-4D97-AF65-F5344CB8AC3E}">
+        <p14:creationId xmlns:p14="http://schemas.microsoft.com/office/powerpoint/2010/main" val="3015001853"/>
+      </p:ext>
+    </p:extLst>
+  </p:cSld>
+  <p:clrMap bg1="lt1" tx1="dk1" bg2="lt2" tx2="dk2" accent1="accent1" accent2="accent2" accent3="accent3" accent4="accent4" accent5="accent5" accent6="accent6" hlink="hlink" folHlink="folHlink"/>
+  <p:notesStyle>
+    <a:lvl1pPr marL="0" algn="l" defTabSz="914400" rtl="0" eaLnBrk="1" latinLnBrk="1" hangingPunct="1">
+      <a:defRPr sz="1200" kern="1200">
+        <a:solidFill>
+          <a:schemeClr val="tx1"/>
+        </a:solidFill>
+        <a:latin typeface="+mn-lt"/>
+        <a:ea typeface="+mn-ea"/>
+        <a:cs typeface="+mn-cs"/>
+      </a:defRPr>
+    </a:lvl1pPr>
+    <a:lvl2pPr marL="457200" algn="l" defTabSz="914400" rtl="0" eaLnBrk="1" latinLnBrk="1" hangingPunct="1">
+      <a:defRPr sz="1200" kern="1200">
+        <a:solidFill>
+          <a:schemeClr val="tx1"/>
+        </a:solidFill>
+        <a:latin typeface="+mn-lt"/>
+        <a:ea typeface="+mn-ea"/>
+        <a:cs typeface="+mn-cs"/>
+      </a:defRPr>
+    </a:lvl2pPr>
+    <a:lvl3pPr marL="914400" algn="l" defTabSz="914400" rtl="0" eaLnBrk="1" latinLnBrk="1" hangingPunct="1">
+      <a:defRPr sz="1200" kern="1200">
+        <a:solidFill>
+          <a:schemeClr val="tx1"/>
+        </a:solidFill>
+        <a:latin typeface="+mn-lt"/>
+        <a:ea typeface="+mn-ea"/>
+        <a:cs typeface="+mn-cs"/>
+      </a:defRPr>
+    </a:lvl3pPr>
+    <a:lvl4pPr marL="1371600" algn="l" defTabSz="914400" rtl="0" eaLnBrk="1" latinLnBrk="1" hangingPunct="1">
+      <a:defRPr sz="1200" kern="1200">
+        <a:solidFill>
+          <a:schemeClr val="tx1"/>
+        </a:solidFill>
+        <a:latin typeface="+mn-lt"/>
+        <a:ea typeface="+mn-ea"/>
+        <a:cs typeface="+mn-cs"/>
+      </a:defRPr>
+    </a:lvl4pPr>
+    <a:lvl5pPr marL="1828800" algn="l" defTabSz="914400" rtl="0" eaLnBrk="1" latinLnBrk="1" hangingPunct="1">
+      <a:defRPr sz="1200" kern="1200">
+        <a:solidFill>
+          <a:schemeClr val="tx1"/>
+        </a:solidFill>
+        <a:latin typeface="+mn-lt"/>
+        <a:ea typeface="+mn-ea"/>
+        <a:cs typeface="+mn-cs"/>
+      </a:defRPr>
+    </a:lvl5pPr>
+    <a:lvl6pPr marL="2286000" algn="l" defTabSz="914400" rtl="0" eaLnBrk="1" latinLnBrk="1" hangingPunct="1">
+      <a:defRPr sz="1200" kern="1200">
+        <a:solidFill>
+          <a:schemeClr val="tx1"/>
+        </a:solidFill>
+        <a:latin typeface="+mn-lt"/>
+        <a:ea typeface="+mn-ea"/>
+        <a:cs typeface="+mn-cs"/>
+      </a:defRPr>
+    </a:lvl6pPr>
+    <a:lvl7pPr marL="2743200" algn="l" defTabSz="914400" rtl="0" eaLnBrk="1" latinLnBrk="1" hangingPunct="1">
+      <a:defRPr sz="1200" kern="1200">
+        <a:solidFill>
+          <a:schemeClr val="tx1"/>
+        </a:solidFill>
+        <a:latin typeface="+mn-lt"/>
+        <a:ea typeface="+mn-ea"/>
+        <a:cs typeface="+mn-cs"/>
+      </a:defRPr>
+    </a:lvl7pPr>
+    <a:lvl8pPr marL="3200400" algn="l" defTabSz="914400" rtl="0" eaLnBrk="1" latinLnBrk="1" hangingPunct="1">
+      <a:defRPr sz="1200" kern="1200">
+        <a:solidFill>
+          <a:schemeClr val="tx1"/>
+        </a:solidFill>
+        <a:latin typeface="+mn-lt"/>
+        <a:ea typeface="+mn-ea"/>
+        <a:cs typeface="+mn-cs"/>
+      </a:defRPr>
+    </a:lvl8pPr>
+    <a:lvl9pPr marL="3657600" algn="l" defTabSz="914400" rtl="0" eaLnBrk="1" latinLnBrk="1" hangingPunct="1">
+      <a:defRPr sz="1200" kern="1200">
+        <a:solidFill>
+          <a:schemeClr val="tx1"/>
+        </a:solidFill>
+        <a:latin typeface="+mn-lt"/>
+        <a:ea typeface="+mn-ea"/>
+        <a:cs typeface="+mn-cs"/>
+      </a:defRPr>
+    </a:lvl9pPr>
+  </p:notesStyle>
+</p:notesMaster>
+</file>
+
+<file path=ppt/notesSlides/notesSlide1.xml><?xml version="1.0" encoding="utf-8"?>
+<p:notes xmlns:a="http://schemas.openxmlformats.org/drawingml/2006/main" xmlns:r="http://schemas.openxmlformats.org/officeDocument/2006/relationships" xmlns:p="http://schemas.openxmlformats.org/presentationml/2006/main">
+  <p:cSld>
+    <p:spTree>
+      <p:nvGrpSpPr>
+        <p:cNvPr id="1" name=""/>
+        <p:cNvGrpSpPr/>
+        <p:nvPr/>
+      </p:nvGrpSpPr>
+      <p:grpSpPr>
+        <a:xfrm>
+          <a:off x="0" y="0"/>
+          <a:ext cx="0" cy="0"/>
+          <a:chOff x="0" y="0"/>
+          <a:chExt cx="0" cy="0"/>
+        </a:xfrm>
+      </p:grpSpPr>
+      <p:sp>
+        <p:nvSpPr>
+          <p:cNvPr id="2" name="슬라이드 이미지 개체 틀 1"/>
+          <p:cNvSpPr>
+            <a:spLocks noGrp="1" noRot="1" noChangeAspect="1"/>
+          </p:cNvSpPr>
+          <p:nvPr>
+            <p:ph type="sldImg"/>
+          </p:nvPr>
+        </p:nvSpPr>
+        <p:spPr/>
+      </p:sp>
+      <p:sp>
+        <p:nvSpPr>
+          <p:cNvPr id="3" name="슬라이드 노트 개체 틀 2"/>
+          <p:cNvSpPr>
+            <a:spLocks noGrp="1"/>
+          </p:cNvSpPr>
+          <p:nvPr>
+            <p:ph type="body" idx="1"/>
+          </p:nvPr>
+        </p:nvSpPr>
+        <p:spPr/>
+        <p:txBody>
+          <a:bodyPr/>
+          <a:lstStyle/>
+          <a:p>
+            <a:endParaRPr lang="ko-KR" altLang="en-US" dirty="0"/>
+          </a:p>
+        </p:txBody>
+      </p:sp>
+      <p:sp>
+        <p:nvSpPr>
+          <p:cNvPr id="4" name="슬라이드 번호 개체 틀 3"/>
+          <p:cNvSpPr>
+            <a:spLocks noGrp="1"/>
+          </p:cNvSpPr>
+          <p:nvPr>
+            <p:ph type="sldNum" sz="quarter" idx="5"/>
+          </p:nvPr>
+        </p:nvSpPr>
+        <p:spPr/>
+        <p:txBody>
+          <a:bodyPr/>
+          <a:lstStyle/>
+          <a:p>
+            <a:fld id="{160FF588-C67B-4255-B82B-02B0A6772E18}" type="slidenum">
+              <a:rPr lang="ko-KR" altLang="en-US" smtClean="0"/>
+              <a:t>4</a:t>
+            </a:fld>
+            <a:endParaRPr lang="ko-KR" altLang="en-US"/>
+          </a:p>
+        </p:txBody>
+      </p:sp>
+    </p:spTree>
+    <p:extLst>
+      <p:ext uri="{BB962C8B-B14F-4D97-AF65-F5344CB8AC3E}">
+        <p14:creationId xmlns:p14="http://schemas.microsoft.com/office/powerpoint/2010/main" val="3431580802"/>
+      </p:ext>
+    </p:extLst>
+  </p:cSld>
+  <p:clrMapOvr>
+    <a:masterClrMapping/>
+  </p:clrMapOvr>
+</p:notes>
 </file>
 
 <file path=ppt/slideLayouts/slideLayout1.xml><?xml version="1.0" encoding="utf-8"?>
@@ -12738,14 +13174,14 @@
           <p:nvPr>
             <p:extLst>
               <p:ext uri="{D42A27DB-BD31-4B8C-83A1-F6EECF244321}">
-                <p14:modId xmlns:p14="http://schemas.microsoft.com/office/powerpoint/2010/main" val="3720183006"/>
+                <p14:modId xmlns:p14="http://schemas.microsoft.com/office/powerpoint/2010/main" val="2786838821"/>
               </p:ext>
             </p:extLst>
           </p:nvPr>
         </p:nvGraphicFramePr>
         <p:xfrm>
-          <a:off x="393442" y="848481"/>
-          <a:ext cx="11236008" cy="5608622"/>
+          <a:off x="199480" y="523220"/>
+          <a:ext cx="11236008" cy="6174478"/>
         </p:xfrm>
         <a:graphic>
           <a:graphicData uri="http://schemas.openxmlformats.org/drawingml/2006/table">
@@ -12776,7 +13212,7 @@
                   </a:extLst>
                 </a:gridCol>
               </a:tblGrid>
-              <a:tr h="458232">
+              <a:tr h="371758">
                 <a:tc>
                   <a:txBody>
                     <a:bodyPr/>
@@ -12825,7 +13261,7 @@
                   </a:ext>
                 </a:extLst>
               </a:tr>
-              <a:tr h="877043">
+              <a:tr h="914400">
                 <a:tc>
                   <a:txBody>
                     <a:bodyPr/>
@@ -12833,11 +13269,25 @@
                     <a:p>
                       <a:pPr latinLnBrk="1"/>
                       <a:r>
-                        <a:rPr lang="en-US" altLang="ko-KR" dirty="0"/>
+                        <a:rPr lang="en-US" altLang="ko-KR" dirty="0">
+                          <a:solidFill>
+                            <a:schemeClr val="tx1">
+                              <a:lumMod val="65000"/>
+                              <a:lumOff val="35000"/>
+                            </a:schemeClr>
+                          </a:solidFill>
+                        </a:rPr>
                         <a:t>1</a:t>
                       </a:r>
                       <a:r>
-                        <a:rPr lang="ko-KR" altLang="en-US" dirty="0"/>
+                        <a:rPr lang="ko-KR" altLang="en-US" dirty="0">
+                          <a:solidFill>
+                            <a:schemeClr val="tx1">
+                              <a:lumMod val="65000"/>
+                              <a:lumOff val="35000"/>
+                            </a:schemeClr>
+                          </a:solidFill>
+                        </a:rPr>
                         <a:t>주차</a:t>
                       </a:r>
                     </a:p>
@@ -12867,25 +13317,60 @@
                         <a:defRPr/>
                       </a:pPr>
                       <a:r>
-                        <a:rPr lang="ko-KR" altLang="en-US" sz="1800" dirty="0"/>
+                        <a:rPr lang="ko-KR" altLang="en-US" sz="1800" dirty="0">
+                          <a:solidFill>
+                            <a:schemeClr val="tx1">
+                              <a:lumMod val="65000"/>
+                              <a:lumOff val="35000"/>
+                            </a:schemeClr>
+                          </a:solidFill>
+                        </a:rPr>
                         <a:t>게임 리소스 수집</a:t>
                       </a:r>
                       <a:r>
-                        <a:rPr lang="en-US" altLang="ko-KR" sz="1800" dirty="0"/>
+                        <a:rPr lang="en-US" altLang="ko-KR" sz="1800" dirty="0">
+                          <a:solidFill>
+                            <a:schemeClr val="tx1">
+                              <a:lumMod val="65000"/>
+                              <a:lumOff val="35000"/>
+                            </a:schemeClr>
+                          </a:solidFill>
+                        </a:rPr>
                         <a:t>, </a:t>
                       </a:r>
                       <a:r>
-                        <a:rPr lang="ko-KR" altLang="en-US" sz="1800" dirty="0" err="1"/>
+                        <a:rPr lang="ko-KR" altLang="en-US" sz="1800" dirty="0" err="1">
+                          <a:solidFill>
+                            <a:schemeClr val="tx1">
+                              <a:lumMod val="65000"/>
+                              <a:lumOff val="35000"/>
+                            </a:schemeClr>
+                          </a:solidFill>
+                        </a:rPr>
                         <a:t>막코딩</a:t>
                       </a:r>
                       <a:r>
-                        <a:rPr lang="ko-KR" altLang="en-US" sz="1800" dirty="0"/>
+                        <a:rPr lang="ko-KR" altLang="en-US" sz="1800" dirty="0">
+                          <a:solidFill>
+                            <a:schemeClr val="tx1">
+                              <a:lumMod val="65000"/>
+                              <a:lumOff val="35000"/>
+                            </a:schemeClr>
+                          </a:solidFill>
+                        </a:rPr>
                         <a:t> 탈출을 위한 기본적인 게임 틀 제작</a:t>
                       </a:r>
                     </a:p>
                     <a:p>
                       <a:pPr latinLnBrk="1"/>
-                      <a:endParaRPr lang="ko-KR" altLang="en-US" dirty="0"/>
+                      <a:endParaRPr lang="ko-KR" altLang="en-US" dirty="0">
+                        <a:solidFill>
+                          <a:schemeClr val="tx1">
+                            <a:lumMod val="65000"/>
+                            <a:lumOff val="35000"/>
+                          </a:schemeClr>
+                        </a:solidFill>
+                      </a:endParaRPr>
                     </a:p>
                   </a:txBody>
                   <a:tcPr/>
@@ -12913,25 +13398,60 @@
                         <a:defRPr/>
                       </a:pPr>
                       <a:r>
-                        <a:rPr lang="ko-KR" altLang="en-US" sz="1800" dirty="0"/>
+                        <a:rPr lang="ko-KR" altLang="en-US" sz="1800" dirty="0">
+                          <a:solidFill>
+                            <a:schemeClr val="tx1">
+                              <a:lumMod val="65000"/>
+                              <a:lumOff val="35000"/>
+                            </a:schemeClr>
+                          </a:solidFill>
+                        </a:rPr>
                         <a:t>게임 리소스 수집</a:t>
                       </a:r>
                       <a:r>
-                        <a:rPr lang="en-US" altLang="ko-KR" sz="1800" dirty="0"/>
+                        <a:rPr lang="en-US" altLang="ko-KR" sz="1800" dirty="0">
+                          <a:solidFill>
+                            <a:schemeClr val="tx1">
+                              <a:lumMod val="65000"/>
+                              <a:lumOff val="35000"/>
+                            </a:schemeClr>
+                          </a:solidFill>
+                        </a:rPr>
                         <a:t>, </a:t>
                       </a:r>
                       <a:r>
-                        <a:rPr lang="ko-KR" altLang="en-US" sz="1800" dirty="0" err="1"/>
+                        <a:rPr lang="ko-KR" altLang="en-US" sz="1800" dirty="0" err="1">
+                          <a:solidFill>
+                            <a:schemeClr val="tx1">
+                              <a:lumMod val="65000"/>
+                              <a:lumOff val="35000"/>
+                            </a:schemeClr>
+                          </a:solidFill>
+                        </a:rPr>
                         <a:t>막코딩</a:t>
                       </a:r>
                       <a:r>
-                        <a:rPr lang="ko-KR" altLang="en-US" sz="1800" dirty="0"/>
+                        <a:rPr lang="ko-KR" altLang="en-US" sz="1800" dirty="0">
+                          <a:solidFill>
+                            <a:schemeClr val="tx1">
+                              <a:lumMod val="65000"/>
+                              <a:lumOff val="35000"/>
+                            </a:schemeClr>
+                          </a:solidFill>
+                        </a:rPr>
                         <a:t> 탈출을 위한 기본적인 게임 틀 제작</a:t>
                       </a:r>
                     </a:p>
                     <a:p>
                       <a:pPr latinLnBrk="1"/>
-                      <a:endParaRPr lang="ko-KR" altLang="en-US" dirty="0"/>
+                      <a:endParaRPr lang="ko-KR" altLang="en-US" dirty="0">
+                        <a:solidFill>
+                          <a:schemeClr val="tx1">
+                            <a:lumMod val="65000"/>
+                            <a:lumOff val="35000"/>
+                          </a:schemeClr>
+                        </a:solidFill>
+                      </a:endParaRPr>
                     </a:p>
                   </a:txBody>
                   <a:tcPr/>
@@ -12942,7 +13462,7 @@
                   </a:ext>
                 </a:extLst>
               </a:tr>
-              <a:tr h="664318">
+              <a:tr h="640080">
                 <a:tc>
                   <a:txBody>
                     <a:bodyPr/>
@@ -12950,11 +13470,25 @@
                     <a:p>
                       <a:pPr latinLnBrk="1"/>
                       <a:r>
-                        <a:rPr lang="en-US" altLang="ko-KR" dirty="0"/>
+                        <a:rPr lang="en-US" altLang="ko-KR" dirty="0">
+                          <a:solidFill>
+                            <a:schemeClr val="tx1">
+                              <a:lumMod val="65000"/>
+                              <a:lumOff val="35000"/>
+                            </a:schemeClr>
+                          </a:solidFill>
+                        </a:rPr>
                         <a:t>2</a:t>
                       </a:r>
                       <a:r>
-                        <a:rPr lang="ko-KR" altLang="en-US" dirty="0"/>
+                        <a:rPr lang="ko-KR" altLang="en-US" dirty="0">
+                          <a:solidFill>
+                            <a:schemeClr val="tx1">
+                              <a:lumMod val="65000"/>
+                              <a:lumOff val="35000"/>
+                            </a:schemeClr>
+                          </a:solidFill>
+                        </a:rPr>
                         <a:t>주차</a:t>
                       </a:r>
                     </a:p>
@@ -12984,17 +13518,38 @@
                         <a:defRPr/>
                       </a:pPr>
                       <a:r>
-                        <a:rPr lang="ko-KR" altLang="en-US" sz="1800" dirty="0" err="1"/>
+                        <a:rPr lang="ko-KR" altLang="en-US" sz="1800" dirty="0" err="1">
+                          <a:solidFill>
+                            <a:schemeClr val="tx1">
+                              <a:lumMod val="65000"/>
+                              <a:lumOff val="35000"/>
+                            </a:schemeClr>
+                          </a:solidFill>
+                        </a:rPr>
                         <a:t>인트로</a:t>
                       </a:r>
                       <a:r>
-                        <a:rPr lang="ko-KR" altLang="en-US" sz="1800" dirty="0"/>
+                        <a:rPr lang="ko-KR" altLang="en-US" sz="1800" dirty="0">
+                          <a:solidFill>
+                            <a:schemeClr val="tx1">
+                              <a:lumMod val="65000"/>
+                              <a:lumOff val="35000"/>
+                            </a:schemeClr>
+                          </a:solidFill>
+                        </a:rPr>
                         <a:t> 화면 구현</a:t>
                       </a:r>
                     </a:p>
                     <a:p>
                       <a:pPr latinLnBrk="1"/>
-                      <a:endParaRPr lang="ko-KR" altLang="en-US" dirty="0"/>
+                      <a:endParaRPr lang="ko-KR" altLang="en-US" dirty="0">
+                        <a:solidFill>
+                          <a:schemeClr val="tx1">
+                            <a:lumMod val="65000"/>
+                            <a:lumOff val="35000"/>
+                          </a:schemeClr>
+                        </a:solidFill>
+                      </a:endParaRPr>
                     </a:p>
                   </a:txBody>
                   <a:tcPr/>
@@ -13022,17 +13577,38 @@
                         <a:defRPr/>
                       </a:pPr>
                       <a:r>
-                        <a:rPr lang="ko-KR" altLang="en-US" sz="1800" dirty="0" err="1"/>
+                        <a:rPr lang="ko-KR" altLang="en-US" sz="1800" dirty="0" err="1">
+                          <a:solidFill>
+                            <a:schemeClr val="tx1">
+                              <a:lumMod val="65000"/>
+                              <a:lumOff val="35000"/>
+                            </a:schemeClr>
+                          </a:solidFill>
+                        </a:rPr>
                         <a:t>인트로</a:t>
                       </a:r>
                       <a:r>
-                        <a:rPr lang="ko-KR" altLang="en-US" sz="1800" dirty="0"/>
+                        <a:rPr lang="ko-KR" altLang="en-US" sz="1800" dirty="0">
+                          <a:solidFill>
+                            <a:schemeClr val="tx1">
+                              <a:lumMod val="65000"/>
+                              <a:lumOff val="35000"/>
+                            </a:schemeClr>
+                          </a:solidFill>
+                        </a:rPr>
                         <a:t> 화면 구현</a:t>
                       </a:r>
                     </a:p>
                     <a:p>
                       <a:pPr latinLnBrk="1"/>
-                      <a:endParaRPr lang="ko-KR" altLang="en-US" dirty="0"/>
+                      <a:endParaRPr lang="ko-KR" altLang="en-US" dirty="0">
+                        <a:solidFill>
+                          <a:schemeClr val="tx1">
+                            <a:lumMod val="65000"/>
+                            <a:lumOff val="35000"/>
+                          </a:schemeClr>
+                        </a:solidFill>
+                      </a:endParaRPr>
                     </a:p>
                   </a:txBody>
                   <a:tcPr/>
@@ -13043,7 +13619,7 @@
                   </a:ext>
                 </a:extLst>
               </a:tr>
-              <a:tr h="664318">
+              <a:tr h="640080">
                 <a:tc>
                   <a:txBody>
                     <a:bodyPr/>
@@ -13051,11 +13627,25 @@
                     <a:p>
                       <a:pPr latinLnBrk="1"/>
                       <a:r>
-                        <a:rPr lang="en-US" altLang="ko-KR" dirty="0"/>
+                        <a:rPr lang="en-US" altLang="ko-KR" dirty="0">
+                          <a:solidFill>
+                            <a:schemeClr val="tx1">
+                              <a:lumMod val="65000"/>
+                              <a:lumOff val="35000"/>
+                            </a:schemeClr>
+                          </a:solidFill>
+                        </a:rPr>
                         <a:t>3</a:t>
                       </a:r>
                       <a:r>
-                        <a:rPr lang="ko-KR" altLang="en-US" dirty="0"/>
+                        <a:rPr lang="ko-KR" altLang="en-US" dirty="0">
+                          <a:solidFill>
+                            <a:schemeClr val="tx1">
+                              <a:lumMod val="65000"/>
+                              <a:lumOff val="35000"/>
+                            </a:schemeClr>
+                          </a:solidFill>
+                        </a:rPr>
                         <a:t>주차</a:t>
                       </a:r>
                     </a:p>
@@ -13085,22 +13675,57 @@
                         <a:defRPr/>
                       </a:pPr>
                       <a:r>
-                        <a:rPr lang="ko-KR" altLang="en-US" sz="1800" dirty="0"/>
+                        <a:rPr lang="ko-KR" altLang="en-US" sz="1800" dirty="0">
+                          <a:solidFill>
+                            <a:schemeClr val="tx1">
+                              <a:lumMod val="65000"/>
+                              <a:lumOff val="35000"/>
+                            </a:schemeClr>
+                          </a:solidFill>
+                        </a:rPr>
                         <a:t>게임 맵 구현</a:t>
                       </a:r>
                       <a:r>
-                        <a:rPr lang="en-US" altLang="ko-KR" sz="1800" dirty="0"/>
+                        <a:rPr lang="en-US" altLang="ko-KR" sz="1800" dirty="0">
+                          <a:solidFill>
+                            <a:schemeClr val="tx1">
+                              <a:lumMod val="65000"/>
+                              <a:lumOff val="35000"/>
+                            </a:schemeClr>
+                          </a:solidFill>
+                        </a:rPr>
                         <a:t>, </a:t>
                       </a:r>
                       <a:r>
-                        <a:rPr lang="ko-KR" altLang="en-US" sz="1800" dirty="0"/>
+                        <a:rPr lang="ko-KR" altLang="en-US" sz="1800" dirty="0">
+                          <a:solidFill>
+                            <a:schemeClr val="tx1">
+                              <a:lumMod val="65000"/>
+                              <a:lumOff val="35000"/>
+                            </a:schemeClr>
+                          </a:solidFill>
+                        </a:rPr>
                         <a:t>주인공의 이동 구현</a:t>
                       </a:r>
-                      <a:endParaRPr lang="en-US" altLang="ko-KR" sz="1800" dirty="0"/>
+                      <a:endParaRPr lang="en-US" altLang="ko-KR" sz="1800" dirty="0">
+                        <a:solidFill>
+                          <a:schemeClr val="tx1">
+                            <a:lumMod val="65000"/>
+                            <a:lumOff val="35000"/>
+                          </a:schemeClr>
+                        </a:solidFill>
+                      </a:endParaRPr>
                     </a:p>
                     <a:p>
                       <a:pPr latinLnBrk="1"/>
-                      <a:endParaRPr lang="ko-KR" altLang="en-US" dirty="0"/>
+                      <a:endParaRPr lang="ko-KR" altLang="en-US" dirty="0">
+                        <a:solidFill>
+                          <a:schemeClr val="tx1">
+                            <a:lumMod val="65000"/>
+                            <a:lumOff val="35000"/>
+                          </a:schemeClr>
+                        </a:solidFill>
+                      </a:endParaRPr>
                     </a:p>
                   </a:txBody>
                   <a:tcPr/>
@@ -13128,22 +13753,57 @@
                         <a:defRPr/>
                       </a:pPr>
                       <a:r>
-                        <a:rPr lang="ko-KR" altLang="en-US" sz="1800" dirty="0"/>
+                        <a:rPr lang="ko-KR" altLang="en-US" sz="1800" dirty="0">
+                          <a:solidFill>
+                            <a:schemeClr val="tx1">
+                              <a:lumMod val="65000"/>
+                              <a:lumOff val="35000"/>
+                            </a:schemeClr>
+                          </a:solidFill>
+                        </a:rPr>
                         <a:t>게임 맵 구현</a:t>
                       </a:r>
                       <a:r>
-                        <a:rPr lang="en-US" altLang="ko-KR" sz="1800" dirty="0"/>
+                        <a:rPr lang="en-US" altLang="ko-KR" sz="1800" dirty="0">
+                          <a:solidFill>
+                            <a:schemeClr val="tx1">
+                              <a:lumMod val="65000"/>
+                              <a:lumOff val="35000"/>
+                            </a:schemeClr>
+                          </a:solidFill>
+                        </a:rPr>
                         <a:t>, </a:t>
                       </a:r>
                       <a:r>
-                        <a:rPr lang="ko-KR" altLang="en-US" sz="1800" dirty="0"/>
+                        <a:rPr lang="ko-KR" altLang="en-US" sz="1800" dirty="0">
+                          <a:solidFill>
+                            <a:schemeClr val="tx1">
+                              <a:lumMod val="65000"/>
+                              <a:lumOff val="35000"/>
+                            </a:schemeClr>
+                          </a:solidFill>
+                        </a:rPr>
                         <a:t>주인공의 이동 구현</a:t>
                       </a:r>
-                      <a:endParaRPr lang="en-US" altLang="ko-KR" sz="1800" dirty="0"/>
+                      <a:endParaRPr lang="en-US" altLang="ko-KR" sz="1800" dirty="0">
+                        <a:solidFill>
+                          <a:schemeClr val="tx1">
+                            <a:lumMod val="65000"/>
+                            <a:lumOff val="35000"/>
+                          </a:schemeClr>
+                        </a:solidFill>
+                      </a:endParaRPr>
                     </a:p>
                     <a:p>
                       <a:pPr latinLnBrk="1"/>
-                      <a:endParaRPr lang="ko-KR" altLang="en-US" dirty="0"/>
+                      <a:endParaRPr lang="ko-KR" altLang="en-US" dirty="0">
+                        <a:solidFill>
+                          <a:schemeClr val="tx1">
+                            <a:lumMod val="65000"/>
+                            <a:lumOff val="35000"/>
+                          </a:schemeClr>
+                        </a:solidFill>
+                      </a:endParaRPr>
                     </a:p>
                   </a:txBody>
                   <a:tcPr/>
@@ -13154,7 +13814,7 @@
                   </a:ext>
                 </a:extLst>
               </a:tr>
-              <a:tr h="664318">
+              <a:tr h="640080">
                 <a:tc>
                   <a:txBody>
                     <a:bodyPr/>
@@ -13162,11 +13822,25 @@
                     <a:p>
                       <a:pPr latinLnBrk="1"/>
                       <a:r>
-                        <a:rPr lang="en-US" altLang="ko-KR" dirty="0"/>
+                        <a:rPr lang="en-US" altLang="ko-KR" dirty="0">
+                          <a:solidFill>
+                            <a:schemeClr val="tx1">
+                              <a:lumMod val="65000"/>
+                              <a:lumOff val="35000"/>
+                            </a:schemeClr>
+                          </a:solidFill>
+                        </a:rPr>
                         <a:t>4</a:t>
                       </a:r>
                       <a:r>
-                        <a:rPr lang="ko-KR" altLang="en-US" dirty="0"/>
+                        <a:rPr lang="ko-KR" altLang="en-US" dirty="0">
+                          <a:solidFill>
+                            <a:schemeClr val="tx1">
+                              <a:lumMod val="65000"/>
+                              <a:lumOff val="35000"/>
+                            </a:schemeClr>
+                          </a:solidFill>
+                        </a:rPr>
                         <a:t>주차</a:t>
                       </a:r>
                     </a:p>
@@ -13196,13 +13870,27 @@
                         <a:defRPr/>
                       </a:pPr>
                       <a:r>
-                        <a:rPr lang="ko-KR" altLang="en-US" sz="1800" dirty="0"/>
+                        <a:rPr lang="ko-KR" altLang="en-US" sz="1800" dirty="0">
+                          <a:solidFill>
+                            <a:schemeClr val="tx1">
+                              <a:lumMod val="65000"/>
+                              <a:lumOff val="35000"/>
+                            </a:schemeClr>
+                          </a:solidFill>
+                        </a:rPr>
                         <a:t>악당 구현 및 충돌처리</a:t>
                       </a:r>
                     </a:p>
                     <a:p>
                       <a:pPr latinLnBrk="1"/>
-                      <a:endParaRPr lang="ko-KR" altLang="en-US" dirty="0"/>
+                      <a:endParaRPr lang="ko-KR" altLang="en-US" dirty="0">
+                        <a:solidFill>
+                          <a:schemeClr val="tx1">
+                            <a:lumMod val="65000"/>
+                            <a:lumOff val="35000"/>
+                          </a:schemeClr>
+                        </a:solidFill>
+                      </a:endParaRPr>
                     </a:p>
                   </a:txBody>
                   <a:tcPr/>
@@ -13214,10 +13902,24 @@
                     <a:p>
                       <a:pPr latinLnBrk="1"/>
                       <a:r>
-                        <a:rPr lang="ko-KR" altLang="en-US" sz="1800" dirty="0"/>
+                        <a:rPr lang="ko-KR" altLang="en-US" sz="1800" dirty="0">
+                          <a:solidFill>
+                            <a:schemeClr val="tx1">
+                              <a:lumMod val="65000"/>
+                              <a:lumOff val="35000"/>
+                            </a:schemeClr>
+                          </a:solidFill>
+                        </a:rPr>
                         <a:t>악당 구현</a:t>
                       </a:r>
-                      <a:endParaRPr lang="ko-KR" altLang="en-US" dirty="0"/>
+                      <a:endParaRPr lang="ko-KR" altLang="en-US" dirty="0">
+                        <a:solidFill>
+                          <a:schemeClr val="tx1">
+                            <a:lumMod val="65000"/>
+                            <a:lumOff val="35000"/>
+                          </a:schemeClr>
+                        </a:solidFill>
+                      </a:endParaRPr>
                     </a:p>
                   </a:txBody>
                   <a:tcPr/>
@@ -13228,7 +13930,7 @@
                   </a:ext>
                 </a:extLst>
               </a:tr>
-              <a:tr h="664318">
+              <a:tr h="640080">
                 <a:tc>
                   <a:txBody>
                     <a:bodyPr/>
@@ -13236,11 +13938,25 @@
                     <a:p>
                       <a:pPr latinLnBrk="1"/>
                       <a:r>
-                        <a:rPr lang="en-US" altLang="ko-KR" dirty="0"/>
+                        <a:rPr lang="en-US" altLang="ko-KR" dirty="0">
+                          <a:solidFill>
+                            <a:schemeClr val="tx1">
+                              <a:lumMod val="65000"/>
+                              <a:lumOff val="35000"/>
+                            </a:schemeClr>
+                          </a:solidFill>
+                        </a:rPr>
                         <a:t>5</a:t>
                       </a:r>
                       <a:r>
-                        <a:rPr lang="ko-KR" altLang="en-US" dirty="0"/>
+                        <a:rPr lang="ko-KR" altLang="en-US" dirty="0">
+                          <a:solidFill>
+                            <a:schemeClr val="tx1">
+                              <a:lumMod val="65000"/>
+                              <a:lumOff val="35000"/>
+                            </a:schemeClr>
+                          </a:solidFill>
+                        </a:rPr>
                         <a:t>주차</a:t>
                       </a:r>
                     </a:p>
@@ -13270,13 +13986,27 @@
                         <a:defRPr/>
                       </a:pPr>
                       <a:r>
-                        <a:rPr lang="ko-KR" altLang="en-US" sz="1800" dirty="0"/>
+                        <a:rPr lang="ko-KR" altLang="en-US" sz="1800" dirty="0">
+                          <a:solidFill>
+                            <a:schemeClr val="tx1">
+                              <a:lumMod val="65000"/>
+                              <a:lumOff val="35000"/>
+                            </a:schemeClr>
+                          </a:solidFill>
+                        </a:rPr>
                         <a:t>아이템 제작 및 주인공 변신 구현</a:t>
                       </a:r>
                     </a:p>
                     <a:p>
                       <a:pPr latinLnBrk="1"/>
-                      <a:endParaRPr lang="ko-KR" altLang="en-US" dirty="0"/>
+                      <a:endParaRPr lang="ko-KR" altLang="en-US" dirty="0">
+                        <a:solidFill>
+                          <a:schemeClr val="tx1">
+                            <a:lumMod val="65000"/>
+                            <a:lumOff val="35000"/>
+                          </a:schemeClr>
+                        </a:solidFill>
+                      </a:endParaRPr>
                     </a:p>
                   </a:txBody>
                   <a:tcPr/>
@@ -13326,7 +14056,7 @@
                   </a:ext>
                 </a:extLst>
               </a:tr>
-              <a:tr h="664318">
+              <a:tr h="640080">
                 <a:tc>
                   <a:txBody>
                     <a:bodyPr/>
@@ -13334,11 +14064,25 @@
                     <a:p>
                       <a:pPr latinLnBrk="1"/>
                       <a:r>
-                        <a:rPr lang="en-US" altLang="ko-KR" dirty="0"/>
+                        <a:rPr lang="en-US" altLang="ko-KR" dirty="0">
+                          <a:solidFill>
+                            <a:schemeClr val="tx1">
+                              <a:lumMod val="65000"/>
+                              <a:lumOff val="35000"/>
+                            </a:schemeClr>
+                          </a:solidFill>
+                        </a:rPr>
                         <a:t>6</a:t>
                       </a:r>
                       <a:r>
-                        <a:rPr lang="ko-KR" altLang="en-US" dirty="0"/>
+                        <a:rPr lang="ko-KR" altLang="en-US" dirty="0">
+                          <a:solidFill>
+                            <a:schemeClr val="tx1">
+                              <a:lumMod val="65000"/>
+                              <a:lumOff val="35000"/>
+                            </a:schemeClr>
+                          </a:solidFill>
+                        </a:rPr>
                         <a:t>주차</a:t>
                       </a:r>
                     </a:p>
@@ -13368,14 +14112,35 @@
                         <a:defRPr/>
                       </a:pPr>
                       <a:r>
-                        <a:rPr lang="ko-KR" altLang="en-US" dirty="0"/>
+                        <a:rPr lang="ko-KR" altLang="en-US" dirty="0">
+                          <a:solidFill>
+                            <a:schemeClr val="tx1">
+                              <a:lumMod val="65000"/>
+                              <a:lumOff val="35000"/>
+                            </a:schemeClr>
+                          </a:solidFill>
+                        </a:rPr>
                         <a:t>보스 스테이지 제작</a:t>
                       </a:r>
-                      <a:endParaRPr lang="en-US" altLang="ko-KR" dirty="0"/>
+                      <a:endParaRPr lang="en-US" altLang="ko-KR" dirty="0">
+                        <a:solidFill>
+                          <a:schemeClr val="tx1">
+                            <a:lumMod val="65000"/>
+                            <a:lumOff val="35000"/>
+                          </a:schemeClr>
+                        </a:solidFill>
+                      </a:endParaRPr>
                     </a:p>
                     <a:p>
                       <a:pPr latinLnBrk="1"/>
-                      <a:endParaRPr lang="ko-KR" altLang="en-US" dirty="0"/>
+                      <a:endParaRPr lang="ko-KR" altLang="en-US" dirty="0">
+                        <a:solidFill>
+                          <a:schemeClr val="tx1">
+                            <a:lumMod val="65000"/>
+                            <a:lumOff val="35000"/>
+                          </a:schemeClr>
+                        </a:solidFill>
+                      </a:endParaRPr>
                     </a:p>
                   </a:txBody>
                   <a:tcPr/>
@@ -13410,29 +14175,37 @@
                         </a:rPr>
                         <a:t>아이템 제작 및 주인공 변신 구현</a:t>
                       </a:r>
-                      <a:r>
-                        <a:rPr lang="en-US" altLang="ko-KR" sz="1800" dirty="0">
-                          <a:solidFill>
-                            <a:srgbClr val="00B0F0"/>
-                          </a:solidFill>
-                        </a:rPr>
-                        <a:t>,</a:t>
-                      </a:r>
-                      <a:endParaRPr lang="ko-KR" altLang="en-US" sz="1800" dirty="0">
+                      <a:endParaRPr lang="en-US" altLang="ko-KR" sz="1800" dirty="0">
                         <a:solidFill>
                           <a:srgbClr val="00B0F0"/>
                         </a:solidFill>
                       </a:endParaRPr>
                     </a:p>
                     <a:p>
-                      <a:pPr latinLnBrk="1"/>
+                      <a:pPr marL="0" marR="0" lvl="0" indent="0" algn="l" defTabSz="914400" rtl="0" eaLnBrk="1" fontAlgn="auto" latinLnBrk="1" hangingPunct="1">
+                        <a:lnSpc>
+                          <a:spcPct val="100000"/>
+                        </a:lnSpc>
+                        <a:spcBef>
+                          <a:spcPts val="0"/>
+                        </a:spcBef>
+                        <a:spcAft>
+                          <a:spcPts val="0"/>
+                        </a:spcAft>
+                        <a:buClrTx/>
+                        <a:buSzTx/>
+                        <a:buFontTx/>
+                        <a:buNone/>
+                        <a:tabLst/>
+                        <a:defRPr/>
+                      </a:pPr>
                       <a:r>
-                        <a:rPr lang="ko-KR" altLang="en-US" dirty="0">
+                        <a:rPr lang="ko-KR" altLang="en-US" sz="1800" dirty="0">
                           <a:solidFill>
                             <a:srgbClr val="00B0F0"/>
                           </a:solidFill>
                         </a:rPr>
-                        <a:t>게임 프레임 워크</a:t>
+                        <a:t>충돌처리 </a:t>
                       </a:r>
                     </a:p>
                   </a:txBody>
@@ -13444,7 +14217,7 @@
                   </a:ext>
                 </a:extLst>
               </a:tr>
-              <a:tr h="877043">
+              <a:tr h="914400">
                 <a:tc>
                   <a:txBody>
                     <a:bodyPr/>
@@ -13452,11 +14225,25 @@
                     <a:p>
                       <a:pPr latinLnBrk="1"/>
                       <a:r>
-                        <a:rPr lang="en-US" altLang="ko-KR" dirty="0"/>
+                        <a:rPr lang="en-US" altLang="ko-KR" dirty="0">
+                          <a:solidFill>
+                            <a:schemeClr val="tx1">
+                              <a:lumMod val="65000"/>
+                              <a:lumOff val="35000"/>
+                            </a:schemeClr>
+                          </a:solidFill>
+                        </a:rPr>
                         <a:t>7</a:t>
                       </a:r>
                       <a:r>
-                        <a:rPr lang="ko-KR" altLang="en-US" dirty="0"/>
+                        <a:rPr lang="ko-KR" altLang="en-US" dirty="0">
+                          <a:solidFill>
+                            <a:schemeClr val="tx1">
+                              <a:lumMod val="65000"/>
+                              <a:lumOff val="35000"/>
+                            </a:schemeClr>
+                          </a:solidFill>
+                        </a:rPr>
                         <a:t>주차</a:t>
                       </a:r>
                     </a:p>
@@ -13469,21 +14256,56 @@
                     <a:lstStyle/>
                     <a:p>
                       <a:r>
-                        <a:rPr lang="ko-KR" altLang="en-US" dirty="0"/>
+                        <a:rPr lang="ko-KR" altLang="en-US" dirty="0">
+                          <a:solidFill>
+                            <a:schemeClr val="tx1">
+                              <a:lumMod val="65000"/>
+                              <a:lumOff val="35000"/>
+                            </a:schemeClr>
+                          </a:solidFill>
+                        </a:rPr>
                         <a:t>게임 생명</a:t>
                       </a:r>
                       <a:r>
-                        <a:rPr lang="en-US" altLang="ko-KR" dirty="0"/>
+                        <a:rPr lang="en-US" altLang="ko-KR" dirty="0">
+                          <a:solidFill>
+                            <a:schemeClr val="tx1">
+                              <a:lumMod val="65000"/>
+                              <a:lumOff val="35000"/>
+                            </a:schemeClr>
+                          </a:solidFill>
+                        </a:rPr>
                         <a:t>, </a:t>
                       </a:r>
                       <a:r>
-                        <a:rPr lang="ko-KR" altLang="en-US" dirty="0"/>
+                        <a:rPr lang="ko-KR" altLang="en-US" dirty="0">
+                          <a:solidFill>
+                            <a:schemeClr val="tx1">
+                              <a:lumMod val="65000"/>
+                              <a:lumOff val="35000"/>
+                            </a:schemeClr>
+                          </a:solidFill>
+                        </a:rPr>
                         <a:t>공격 데미지 등 난이도를 설정</a:t>
                       </a:r>
-                      <a:endParaRPr lang="en-US" altLang="ko-KR" dirty="0"/>
+                      <a:endParaRPr lang="en-US" altLang="ko-KR" dirty="0">
+                        <a:solidFill>
+                          <a:schemeClr val="tx1">
+                            <a:lumMod val="65000"/>
+                            <a:lumOff val="35000"/>
+                          </a:schemeClr>
+                        </a:solidFill>
+                      </a:endParaRPr>
                     </a:p>
                     <a:p>
-                      <a:endParaRPr lang="en-US" altLang="ko-KR" dirty="0"/>
+                      <a:endParaRPr lang="en-US" altLang="ko-KR" dirty="0">
+                        <a:solidFill>
+                          <a:schemeClr val="tx1">
+                            <a:lumMod val="65000"/>
+                            <a:lumOff val="35000"/>
+                          </a:schemeClr>
+                        </a:solidFill>
+                      </a:endParaRPr>
                     </a:p>
                   </a:txBody>
                   <a:tcPr/>
@@ -13526,17 +14348,196 @@
                         </a:rPr>
                         <a:t>, </a:t>
                       </a:r>
+                    </a:p>
+                    <a:p>
+                      <a:pPr marL="0" marR="0" lvl="0" indent="0" algn="l" defTabSz="914400" rtl="0" eaLnBrk="1" fontAlgn="auto" latinLnBrk="1" hangingPunct="1">
+                        <a:lnSpc>
+                          <a:spcPct val="100000"/>
+                        </a:lnSpc>
+                        <a:spcBef>
+                          <a:spcPts val="0"/>
+                        </a:spcBef>
+                        <a:spcAft>
+                          <a:spcPts val="0"/>
+                        </a:spcAft>
+                        <a:buClrTx/>
+                        <a:buSzTx/>
+                        <a:buFontTx/>
+                        <a:buNone/>
+                        <a:tabLst/>
+                        <a:defRPr/>
+                      </a:pPr>
                       <a:r>
                         <a:rPr lang="ko-KR" altLang="en-US" dirty="0">
                           <a:solidFill>
                             <a:srgbClr val="00B0F0"/>
                           </a:solidFill>
                         </a:rPr>
+                        <a:t>게임 프레임 워크</a:t>
+                      </a:r>
+                    </a:p>
+                    <a:p>
+                      <a:pPr latinLnBrk="1"/>
+                      <a:endParaRPr lang="ko-KR" altLang="en-US" dirty="0"/>
+                    </a:p>
+                  </a:txBody>
+                  <a:tcPr/>
+                </a:tc>
+                <a:extLst>
+                  <a:ext uri="{0D108BD9-81ED-4DB2-BD59-A6C34878D82A}">
+                    <a16:rowId xmlns:a16="http://schemas.microsoft.com/office/drawing/2014/main" val="220355796"/>
+                  </a:ext>
+                </a:extLst>
+              </a:tr>
+              <a:tr h="773520">
+                <a:tc>
+                  <a:txBody>
+                    <a:bodyPr/>
+                    <a:lstStyle/>
+                    <a:p>
+                      <a:pPr latinLnBrk="1"/>
+                      <a:r>
+                        <a:rPr lang="en-US" altLang="ko-KR" dirty="0">
+                          <a:solidFill>
+                            <a:schemeClr val="tx1">
+                              <a:lumMod val="65000"/>
+                              <a:lumOff val="35000"/>
+                            </a:schemeClr>
+                          </a:solidFill>
+                        </a:rPr>
+                        <a:t>8</a:t>
+                      </a:r>
+                      <a:r>
+                        <a:rPr lang="ko-KR" altLang="en-US" dirty="0">
+                          <a:solidFill>
+                            <a:schemeClr val="tx1">
+                              <a:lumMod val="65000"/>
+                              <a:lumOff val="35000"/>
+                            </a:schemeClr>
+                          </a:solidFill>
+                        </a:rPr>
+                        <a:t>주차</a:t>
+                      </a:r>
+                    </a:p>
+                  </a:txBody>
+                  <a:tcPr/>
+                </a:tc>
+                <a:tc>
+                  <a:txBody>
+                    <a:bodyPr/>
+                    <a:lstStyle/>
+                    <a:p>
+                      <a:pPr marL="0" marR="0" lvl="0" indent="0" algn="l" defTabSz="914400" rtl="0" eaLnBrk="1" fontAlgn="auto" latinLnBrk="0" hangingPunct="1">
+                        <a:lnSpc>
+                          <a:spcPct val="100000"/>
+                        </a:lnSpc>
+                        <a:spcBef>
+                          <a:spcPts val="0"/>
+                        </a:spcBef>
+                        <a:spcAft>
+                          <a:spcPts val="0"/>
+                        </a:spcAft>
+                        <a:buClrTx/>
+                        <a:buSzTx/>
+                        <a:buFontTx/>
+                        <a:buNone/>
+                        <a:tabLst/>
+                        <a:defRPr/>
+                      </a:pPr>
+                      <a:r>
+                        <a:rPr lang="ko-KR" altLang="en-US" sz="1800" dirty="0">
+                          <a:solidFill>
+                            <a:schemeClr val="tx1">
+                              <a:lumMod val="65000"/>
+                              <a:lumOff val="35000"/>
+                            </a:schemeClr>
+                          </a:solidFill>
+                        </a:rPr>
+                        <a:t>점검 및 버그 수정</a:t>
+                      </a:r>
+                      <a:endParaRPr lang="en-US" altLang="ko-KR" sz="1800" dirty="0">
+                        <a:solidFill>
+                          <a:schemeClr val="tx1">
+                            <a:lumMod val="65000"/>
+                            <a:lumOff val="35000"/>
+                          </a:schemeClr>
+                        </a:solidFill>
+                      </a:endParaRPr>
+                    </a:p>
+                    <a:p>
+                      <a:endParaRPr lang="en-US" altLang="ko-KR" dirty="0">
+                        <a:solidFill>
+                          <a:schemeClr val="tx1">
+                            <a:lumMod val="65000"/>
+                            <a:lumOff val="35000"/>
+                          </a:schemeClr>
+                        </a:solidFill>
+                      </a:endParaRPr>
+                    </a:p>
+                  </a:txBody>
+                  <a:tcPr/>
+                </a:tc>
+                <a:tc>
+                  <a:txBody>
+                    <a:bodyPr/>
+                    <a:lstStyle/>
+                    <a:p>
+                      <a:pPr marL="0" marR="0" lvl="0" indent="0" algn="l" defTabSz="914400" rtl="0" eaLnBrk="1" fontAlgn="auto" latinLnBrk="1" hangingPunct="1">
+                        <a:lnSpc>
+                          <a:spcPct val="100000"/>
+                        </a:lnSpc>
+                        <a:spcBef>
+                          <a:spcPts val="0"/>
+                        </a:spcBef>
+                        <a:spcAft>
+                          <a:spcPts val="0"/>
+                        </a:spcAft>
+                        <a:buClrTx/>
+                        <a:buSzTx/>
+                        <a:buFontTx/>
+                        <a:buNone/>
+                        <a:tabLst/>
+                        <a:defRPr/>
+                      </a:pPr>
+                      <a:r>
+                        <a:rPr lang="ko-KR" altLang="en-US" sz="1800" dirty="0">
+                          <a:solidFill>
+                            <a:schemeClr val="tx1">
+                              <a:lumMod val="65000"/>
+                              <a:lumOff val="35000"/>
+                            </a:schemeClr>
+                          </a:solidFill>
+                        </a:rPr>
                         <a:t>난이도 설정</a:t>
                       </a:r>
-                      <a:endParaRPr lang="en-US" altLang="ko-KR" dirty="0">
+                      <a:r>
+                        <a:rPr lang="en-US" altLang="ko-KR" sz="1800" dirty="0">
+                          <a:solidFill>
+                            <a:schemeClr val="tx1">
+                              <a:lumMod val="65000"/>
+                              <a:lumOff val="35000"/>
+                            </a:schemeClr>
+                          </a:solidFill>
+                        </a:rPr>
+                        <a:t>, </a:t>
+                      </a:r>
+                      <a:r>
+                        <a:rPr lang="ko-KR" altLang="en-US" sz="1800" dirty="0">
+                          <a:solidFill>
+                            <a:schemeClr val="tx1">
+                              <a:lumMod val="65000"/>
+                              <a:lumOff val="35000"/>
+                            </a:schemeClr>
+                          </a:solidFill>
+                        </a:rPr>
+                        <a:t>점검 및 버그 수정</a:t>
+                      </a:r>
+                      <a:endParaRPr lang="en-US" altLang="ko-KR" sz="1800" dirty="0">
                         <a:solidFill>
-                          <a:srgbClr val="00B0F0"/>
+                          <a:schemeClr val="tx1">
+                            <a:lumMod val="65000"/>
+                            <a:lumOff val="35000"/>
+                          </a:schemeClr>
                         </a:solidFill>
                       </a:endParaRPr>
                     </a:p>
@@ -13549,7 +14550,7 @@
                 </a:tc>
                 <a:extLst>
                   <a:ext uri="{0D108BD9-81ED-4DB2-BD59-A6C34878D82A}">
-                    <a16:rowId xmlns:a16="http://schemas.microsoft.com/office/drawing/2014/main" val="220355796"/>
+                    <a16:rowId xmlns:a16="http://schemas.microsoft.com/office/drawing/2014/main" val="242020043"/>
                   </a:ext>
                 </a:extLst>
               </a:tr>
@@ -13571,7 +14572,7 @@
         </p:nvSpPr>
         <p:spPr>
           <a:xfrm>
-            <a:off x="479358" y="215351"/>
+            <a:off x="405467" y="0"/>
             <a:ext cx="5799383" cy="523220"/>
           </a:xfrm>
           <a:prstGeom prst="rect">
@@ -13676,7 +14677,7 @@
             <p:ph idx="1"/>
             <p:extLst>
               <p:ext uri="{D42A27DB-BD31-4B8C-83A1-F6EECF244321}">
-                <p14:modId xmlns:p14="http://schemas.microsoft.com/office/powerpoint/2010/main" val="986139888"/>
+                <p14:modId xmlns:p14="http://schemas.microsoft.com/office/powerpoint/2010/main" val="1406634133"/>
               </p:ext>
             </p:extLst>
           </p:nvPr>
@@ -14278,7 +15279,7 @@
                       <a:pPr latinLnBrk="1"/>
                       <a:r>
                         <a:rPr lang="en-US" altLang="ko-KR" dirty="0"/>
-                        <a:t>80%</a:t>
+                        <a:t>100%</a:t>
                       </a:r>
                       <a:endParaRPr lang="ko-KR" altLang="en-US" dirty="0"/>
                     </a:p>
@@ -14580,7 +15581,7 @@
                       </a:r>
                       <a:r>
                         <a:rPr lang="ko-KR" altLang="en-US" sz="1200" dirty="0"/>
-                        <a:t>장애물과 충돌 처리</a:t>
+                        <a:t>지형물과 충돌 처리</a:t>
                       </a:r>
                       <a:r>
                         <a:rPr lang="en-US" altLang="ko-KR" sz="1200" dirty="0"/>
@@ -14946,8 +15947,8 @@
         </p:nvSpPr>
         <p:spPr>
           <a:xfrm>
-            <a:off x="525717" y="787069"/>
-            <a:ext cx="10077557" cy="618284"/>
+            <a:off x="226771" y="77470"/>
+            <a:ext cx="10077557" cy="444958"/>
           </a:xfrm>
         </p:spPr>
         <p:txBody>
@@ -14955,21 +15956,51 @@
           <a:lstStyle/>
           <a:p>
             <a:r>
-              <a:rPr lang="en-US" altLang="ko-KR" dirty="0" err="1"/>
+              <a:rPr lang="en-US" altLang="ko-KR" sz="2000" dirty="0" err="1"/>
               <a:t>Github</a:t>
             </a:r>
             <a:r>
-              <a:rPr lang="en-US" altLang="ko-KR" dirty="0"/>
+              <a:rPr lang="en-US" altLang="ko-KR" sz="2000" dirty="0"/>
               <a:t> </a:t>
             </a:r>
             <a:r>
-              <a:rPr lang="ko-KR" altLang="en-US" dirty="0" err="1"/>
+              <a:rPr lang="ko-KR" altLang="en-US" sz="2000" dirty="0" err="1"/>
               <a:t>커밋통계</a:t>
             </a:r>
-            <a:endParaRPr lang="ko-KR" altLang="en-US" dirty="0"/>
+            <a:endParaRPr lang="ko-KR" altLang="en-US" sz="2000" dirty="0"/>
           </a:p>
         </p:txBody>
       </p:sp>
+      <p:pic>
+        <p:nvPicPr>
+          <p:cNvPr id="4" name="그림 3">
+            <a:extLst>
+              <a:ext uri="{FF2B5EF4-FFF2-40B4-BE49-F238E27FC236}">
+                <a16:creationId xmlns:a16="http://schemas.microsoft.com/office/drawing/2014/main" id="{B2CB2028-0A3C-9AAE-CAEB-B95B0D058E41}"/>
+              </a:ext>
+            </a:extLst>
+          </p:cNvPr>
+          <p:cNvPicPr>
+            <a:picLocks noChangeAspect="1"/>
+          </p:cNvPicPr>
+          <p:nvPr/>
+        </p:nvPicPr>
+        <p:blipFill>
+          <a:blip r:embed="rId3"/>
+          <a:stretch>
+            <a:fillRect/>
+          </a:stretch>
+        </p:blipFill>
+        <p:spPr>
+          <a:xfrm>
+            <a:off x="137883" y="580950"/>
+            <a:ext cx="11827346" cy="6100217"/>
+          </a:xfrm>
+          <a:prstGeom prst="rect">
+            <a:avLst/>
+          </a:prstGeom>
+        </p:spPr>
+      </p:pic>
     </p:spTree>
     <p:extLst>
       <p:ext uri="{BB962C8B-B14F-4D97-AF65-F5344CB8AC3E}">
@@ -15182,4 +16213,319 @@
     </a:ext>
   </a:extLst>
 </a:theme>
+</file>
+
+<file path=ppt/theme/theme2.xml><?xml version="1.0" encoding="utf-8"?>
+<a:theme xmlns:a="http://schemas.openxmlformats.org/drawingml/2006/main" name="Office 테마">
+  <a:themeElements>
+    <a:clrScheme name="Office">
+      <a:dk1>
+        <a:sysClr val="windowText" lastClr="000000"/>
+      </a:dk1>
+      <a:lt1>
+        <a:sysClr val="window" lastClr="FFFFFF"/>
+      </a:lt1>
+      <a:dk2>
+        <a:srgbClr val="0E2841"/>
+      </a:dk2>
+      <a:lt2>
+        <a:srgbClr val="E8E8E8"/>
+      </a:lt2>
+      <a:accent1>
+        <a:srgbClr val="156082"/>
+      </a:accent1>
+      <a:accent2>
+        <a:srgbClr val="E97132"/>
+      </a:accent2>
+      <a:accent3>
+        <a:srgbClr val="196B24"/>
+      </a:accent3>
+      <a:accent4>
+        <a:srgbClr val="0F9ED5"/>
+      </a:accent4>
+      <a:accent5>
+        <a:srgbClr val="A02B93"/>
+      </a:accent5>
+      <a:accent6>
+        <a:srgbClr val="4EA72E"/>
+      </a:accent6>
+      <a:hlink>
+        <a:srgbClr val="467886"/>
+      </a:hlink>
+      <a:folHlink>
+        <a:srgbClr val="96607D"/>
+      </a:folHlink>
+    </a:clrScheme>
+    <a:fontScheme name="Office">
+      <a:majorFont>
+        <a:latin typeface="맑은 고딕" panose="02110004020202020204"/>
+        <a:ea typeface=""/>
+        <a:cs typeface=""/>
+        <a:font script="Jpan" typeface="游ゴシック Light"/>
+        <a:font script="Hang" typeface="맑은 고딕"/>
+        <a:font script="Hans" typeface="等线 Light"/>
+        <a:font script="Hant" typeface="新細明體"/>
+        <a:font script="Arab" typeface="Times New Roman"/>
+        <a:font script="Hebr" typeface="Times New Roman"/>
+        <a:font script="Thai" typeface="Angsana New"/>
+        <a:font script="Ethi" typeface="Nyala"/>
+        <a:font script="Beng" typeface="Vrinda"/>
+        <a:font script="Gujr" typeface="Shruti"/>
+        <a:font script="Khmr" typeface="MoolBoran"/>
+        <a:font script="Knda" typeface="Tunga"/>
+        <a:font script="Guru" typeface="Raavi"/>
+        <a:font script="Cans" typeface="Euphemia"/>
+        <a:font script="Cher" typeface="Plantagenet Cherokee"/>
+        <a:font script="Yiii" typeface="Microsoft Yi Baiti"/>
+        <a:font script="Tibt" typeface="Microsoft Himalaya"/>
+        <a:font script="Thaa" typeface="MV Boli"/>
+        <a:font script="Deva" typeface="Mangal"/>
+        <a:font script="Telu" typeface="Gautami"/>
+        <a:font script="Taml" typeface="Latha"/>
+        <a:font script="Syrc" typeface="Estrangelo Edessa"/>
+        <a:font script="Orya" typeface="Kalinga"/>
+        <a:font script="Mlym" typeface="Kartika"/>
+        <a:font script="Laoo" typeface="DokChampa"/>
+        <a:font script="Sinh" typeface="Iskoola Pota"/>
+        <a:font script="Mong" typeface="Mongolian Baiti"/>
+        <a:font script="Viet" typeface="Times New Roman"/>
+        <a:font script="Uigh" typeface="Microsoft Uighur"/>
+        <a:font script="Geor" typeface="Sylfaen"/>
+        <a:font script="Armn" typeface="Arial"/>
+        <a:font script="Bugi" typeface="Leelawadee UI"/>
+        <a:font script="Bopo" typeface="Microsoft JhengHei"/>
+        <a:font script="Java" typeface="Javanese Text"/>
+        <a:font script="Lisu" typeface="Segoe UI"/>
+        <a:font script="Mymr" typeface="Myanmar Text"/>
+        <a:font script="Nkoo" typeface="Ebrima"/>
+        <a:font script="Olck" typeface="Nirmala UI"/>
+        <a:font script="Osma" typeface="Ebrima"/>
+        <a:font script="Phag" typeface="Phagspa"/>
+        <a:font script="Syrn" typeface="Estrangelo Edessa"/>
+        <a:font script="Syrj" typeface="Estrangelo Edessa"/>
+        <a:font script="Syre" typeface="Estrangelo Edessa"/>
+        <a:font script="Sora" typeface="Nirmala UI"/>
+        <a:font script="Tale" typeface="Microsoft Tai Le"/>
+        <a:font script="Talu" typeface="Microsoft New Tai Lue"/>
+        <a:font script="Tfng" typeface="Ebrima"/>
+      </a:majorFont>
+      <a:minorFont>
+        <a:latin typeface="맑은 고딕" panose="02110004020202020204"/>
+        <a:ea typeface=""/>
+        <a:cs typeface=""/>
+        <a:font script="Jpan" typeface="游ゴシック"/>
+        <a:font script="Hang" typeface="맑은 고딕"/>
+        <a:font script="Hans" typeface="等线"/>
+        <a:font script="Hant" typeface="新細明體"/>
+        <a:font script="Arab" typeface="Arial"/>
+        <a:font script="Hebr" typeface="Arial"/>
+        <a:font script="Thai" typeface="Cordia New"/>
+        <a:font script="Ethi" typeface="Nyala"/>
+        <a:font script="Beng" typeface="Vrinda"/>
+        <a:font script="Gujr" typeface="Shruti"/>
+        <a:font script="Khmr" typeface="DaunPenh"/>
+        <a:font script="Knda" typeface="Tunga"/>
+        <a:font script="Guru" typeface="Raavi"/>
+        <a:font script="Cans" typeface="Euphemia"/>
+        <a:font script="Cher" typeface="Plantagenet Cherokee"/>
+        <a:font script="Yiii" typeface="Microsoft Yi Baiti"/>
+        <a:font script="Tibt" typeface="Microsoft Himalaya"/>
+        <a:font script="Thaa" typeface="MV Boli"/>
+        <a:font script="Deva" typeface="Mangal"/>
+        <a:font script="Telu" typeface="Gautami"/>
+        <a:font script="Taml" typeface="Latha"/>
+        <a:font script="Syrc" typeface="Estrangelo Edessa"/>
+        <a:font script="Orya" typeface="Kalinga"/>
+        <a:font script="Mlym" typeface="Kartika"/>
+        <a:font script="Laoo" typeface="DokChampa"/>
+        <a:font script="Sinh" typeface="Iskoola Pota"/>
+        <a:font script="Mong" typeface="Mongolian Baiti"/>
+        <a:font script="Viet" typeface="Arial"/>
+        <a:font script="Uigh" typeface="Microsoft Uighur"/>
+        <a:font script="Geor" typeface="Sylfaen"/>
+        <a:font script="Armn" typeface="Arial"/>
+        <a:font script="Bugi" typeface="Leelawadee UI"/>
+        <a:font script="Bopo" typeface="Microsoft JhengHei"/>
+        <a:font script="Java" typeface="Javanese Text"/>
+        <a:font script="Lisu" typeface="Segoe UI"/>
+        <a:font script="Mymr" typeface="Myanmar Text"/>
+        <a:font script="Nkoo" typeface="Ebrima"/>
+        <a:font script="Olck" typeface="Nirmala UI"/>
+        <a:font script="Osma" typeface="Ebrima"/>
+        <a:font script="Phag" typeface="Phagspa"/>
+        <a:font script="Syrn" typeface="Estrangelo Edessa"/>
+        <a:font script="Syrj" typeface="Estrangelo Edessa"/>
+        <a:font script="Syre" typeface="Estrangelo Edessa"/>
+        <a:font script="Sora" typeface="Nirmala UI"/>
+        <a:font script="Tale" typeface="Microsoft Tai Le"/>
+        <a:font script="Talu" typeface="Microsoft New Tai Lue"/>
+        <a:font script="Tfng" typeface="Ebrima"/>
+      </a:minorFont>
+    </a:fontScheme>
+    <a:fmtScheme name="Office">
+      <a:fillStyleLst>
+        <a:solidFill>
+          <a:schemeClr val="phClr"/>
+        </a:solidFill>
+        <a:gradFill rotWithShape="1">
+          <a:gsLst>
+            <a:gs pos="0">
+              <a:schemeClr val="phClr">
+                <a:lumMod val="110000"/>
+                <a:satMod val="105000"/>
+                <a:tint val="67000"/>
+              </a:schemeClr>
+            </a:gs>
+            <a:gs pos="50000">
+              <a:schemeClr val="phClr">
+                <a:lumMod val="105000"/>
+                <a:satMod val="103000"/>
+                <a:tint val="73000"/>
+              </a:schemeClr>
+            </a:gs>
+            <a:gs pos="100000">
+              <a:schemeClr val="phClr">
+                <a:lumMod val="105000"/>
+                <a:satMod val="109000"/>
+                <a:tint val="81000"/>
+              </a:schemeClr>
+            </a:gs>
+          </a:gsLst>
+          <a:lin ang="5400000" scaled="0"/>
+        </a:gradFill>
+        <a:gradFill rotWithShape="1">
+          <a:gsLst>
+            <a:gs pos="0">
+              <a:schemeClr val="phClr">
+                <a:satMod val="103000"/>
+                <a:lumMod val="102000"/>
+                <a:tint val="94000"/>
+              </a:schemeClr>
+            </a:gs>
+            <a:gs pos="50000">
+              <a:schemeClr val="phClr">
+                <a:satMod val="110000"/>
+                <a:lumMod val="100000"/>
+                <a:shade val="100000"/>
+              </a:schemeClr>
+            </a:gs>
+            <a:gs pos="100000">
+              <a:schemeClr val="phClr">
+                <a:lumMod val="99000"/>
+                <a:satMod val="120000"/>
+                <a:shade val="78000"/>
+              </a:schemeClr>
+            </a:gs>
+          </a:gsLst>
+          <a:lin ang="5400000" scaled="0"/>
+        </a:gradFill>
+      </a:fillStyleLst>
+      <a:lnStyleLst>
+        <a:ln w="12700" cap="flat" cmpd="sng" algn="ctr">
+          <a:solidFill>
+            <a:schemeClr val="phClr"/>
+          </a:solidFill>
+          <a:prstDash val="solid"/>
+          <a:miter lim="800000"/>
+        </a:ln>
+        <a:ln w="19050" cap="flat" cmpd="sng" algn="ctr">
+          <a:solidFill>
+            <a:schemeClr val="phClr"/>
+          </a:solidFill>
+          <a:prstDash val="solid"/>
+          <a:miter lim="800000"/>
+        </a:ln>
+        <a:ln w="25400" cap="flat" cmpd="sng" algn="ctr">
+          <a:solidFill>
+            <a:schemeClr val="phClr"/>
+          </a:solidFill>
+          <a:prstDash val="solid"/>
+          <a:miter lim="800000"/>
+        </a:ln>
+      </a:lnStyleLst>
+      <a:effectStyleLst>
+        <a:effectStyle>
+          <a:effectLst/>
+        </a:effectStyle>
+        <a:effectStyle>
+          <a:effectLst/>
+        </a:effectStyle>
+        <a:effectStyle>
+          <a:effectLst>
+            <a:outerShdw blurRad="57150" dist="19050" dir="5400000" algn="ctr" rotWithShape="0">
+              <a:srgbClr val="000000">
+                <a:alpha val="63000"/>
+              </a:srgbClr>
+            </a:outerShdw>
+          </a:effectLst>
+        </a:effectStyle>
+      </a:effectStyleLst>
+      <a:bgFillStyleLst>
+        <a:solidFill>
+          <a:schemeClr val="phClr"/>
+        </a:solidFill>
+        <a:solidFill>
+          <a:schemeClr val="phClr">
+            <a:tint val="95000"/>
+            <a:satMod val="170000"/>
+          </a:schemeClr>
+        </a:solidFill>
+        <a:gradFill rotWithShape="1">
+          <a:gsLst>
+            <a:gs pos="0">
+              <a:schemeClr val="phClr">
+                <a:tint val="93000"/>
+                <a:satMod val="150000"/>
+                <a:shade val="98000"/>
+                <a:lumMod val="102000"/>
+              </a:schemeClr>
+            </a:gs>
+            <a:gs pos="50000">
+              <a:schemeClr val="phClr">
+                <a:tint val="98000"/>
+                <a:satMod val="130000"/>
+                <a:shade val="90000"/>
+                <a:lumMod val="103000"/>
+              </a:schemeClr>
+            </a:gs>
+            <a:gs pos="100000">
+              <a:schemeClr val="phClr">
+                <a:shade val="63000"/>
+                <a:satMod val="120000"/>
+              </a:schemeClr>
+            </a:gs>
+          </a:gsLst>
+          <a:lin ang="5400000" scaled="0"/>
+        </a:gradFill>
+      </a:bgFillStyleLst>
+    </a:fmtScheme>
+  </a:themeElements>
+  <a:objectDefaults>
+    <a:lnDef>
+      <a:spPr/>
+      <a:bodyPr/>
+      <a:lstStyle/>
+      <a:style>
+        <a:lnRef idx="2">
+          <a:schemeClr val="accent1"/>
+        </a:lnRef>
+        <a:fillRef idx="0">
+          <a:schemeClr val="accent1"/>
+        </a:fillRef>
+        <a:effectRef idx="1">
+          <a:schemeClr val="accent1"/>
+        </a:effectRef>
+        <a:fontRef idx="minor">
+          <a:schemeClr val="tx1"/>
+        </a:fontRef>
+      </a:style>
+    </a:lnDef>
+  </a:objectDefaults>
+  <a:extraClrSchemeLst/>
+  <a:extLst>
+    <a:ext uri="{05A4C25C-085E-4340-85A3-A5531E510DB2}">
+      <thm15:themeFamily xmlns:thm15="http://schemas.microsoft.com/office/thememl/2012/main" name="Office Theme" id="{2E142A2C-CD16-42D6-873A-C26D2A0506FA}" vid="{1BDDFF52-6CD6-40A5-AB3C-68EB2F1E4D0A}"/>
+    </a:ext>
+  </a:extLst>
+</a:theme>
 </file>